--- a/presentation/sports_betting_term4.pptx
+++ b/presentation/sports_betting_term4.pptx
@@ -5,7 +5,7 @@
     <p:sldMasterId id="2147483648" r:id="rId1"/>
   </p:sldMasterIdLst>
   <p:notesMasterIdLst>
-    <p:notesMasterId r:id="rId32"/>
+    <p:notesMasterId r:id="rId34"/>
   </p:notesMasterIdLst>
   <p:sldIdLst>
     <p:sldId id="256" r:id="rId2"/>
@@ -22,22 +22,24 @@
     <p:sldId id="267" r:id="rId13"/>
     <p:sldId id="257" r:id="rId14"/>
     <p:sldId id="284" r:id="rId15"/>
-    <p:sldId id="286" r:id="rId16"/>
-    <p:sldId id="288" r:id="rId17"/>
-    <p:sldId id="289" r:id="rId18"/>
-    <p:sldId id="290" r:id="rId19"/>
-    <p:sldId id="291" r:id="rId20"/>
-    <p:sldId id="292" r:id="rId21"/>
-    <p:sldId id="293" r:id="rId22"/>
-    <p:sldId id="294" r:id="rId23"/>
-    <p:sldId id="295" r:id="rId24"/>
-    <p:sldId id="296" r:id="rId25"/>
-    <p:sldId id="297" r:id="rId26"/>
-    <p:sldId id="287" r:id="rId27"/>
-    <p:sldId id="280" r:id="rId28"/>
-    <p:sldId id="274" r:id="rId29"/>
-    <p:sldId id="279" r:id="rId30"/>
-    <p:sldId id="275" r:id="rId31"/>
+    <p:sldId id="298" r:id="rId16"/>
+    <p:sldId id="286" r:id="rId17"/>
+    <p:sldId id="288" r:id="rId18"/>
+    <p:sldId id="289" r:id="rId19"/>
+    <p:sldId id="290" r:id="rId20"/>
+    <p:sldId id="291" r:id="rId21"/>
+    <p:sldId id="292" r:id="rId22"/>
+    <p:sldId id="293" r:id="rId23"/>
+    <p:sldId id="294" r:id="rId24"/>
+    <p:sldId id="295" r:id="rId25"/>
+    <p:sldId id="296" r:id="rId26"/>
+    <p:sldId id="297" r:id="rId27"/>
+    <p:sldId id="287" r:id="rId28"/>
+    <p:sldId id="299" r:id="rId29"/>
+    <p:sldId id="280" r:id="rId30"/>
+    <p:sldId id="274" r:id="rId31"/>
+    <p:sldId id="279" r:id="rId32"/>
+    <p:sldId id="275" r:id="rId33"/>
   </p:sldIdLst>
   <p:sldSz cx="12192000" cy="6858000"/>
   <p:notesSz cx="6858000" cy="9144000"/>
@@ -159,6 +161,7 @@
         <p14:section name="Result" id="{50E1F7DF-319F-4D4D-9297-059B509210FF}">
           <p14:sldIdLst>
             <p14:sldId id="284"/>
+            <p14:sldId id="298"/>
             <p14:sldId id="286"/>
             <p14:sldId id="288"/>
             <p14:sldId id="289"/>
@@ -171,6 +174,7 @@
             <p14:sldId id="296"/>
             <p14:sldId id="297"/>
             <p14:sldId id="287"/>
+            <p14:sldId id="299"/>
             <p14:sldId id="280"/>
           </p14:sldIdLst>
         </p14:section>
@@ -182,6 +186,9 @@
           </p14:sldIdLst>
         </p14:section>
       </p14:sectionLst>
+    </p:ext>
+    <p:ext uri="{EFAFB233-063F-42B5-8137-9DF3F51BA10A}">
+      <p15:sldGuideLst xmlns:p15="http://schemas.microsoft.com/office/powerpoint/2012/main"/>
     </p:ext>
   </p:extLst>
 </p:presentation>
@@ -2874,7 +2881,7 @@
           <a:p>
             <a:fld id="{049BF167-0F2A-491A-9224-D62CDB49146A}" type="datetimeFigureOut">
               <a:rPr lang="en-US" smtClean="0"/>
-              <a:t>5/11/2024</a:t>
+              <a:t>5/13/2024</a:t>
             </a:fld>
             <a:endParaRPr lang="en-US"/>
           </a:p>
@@ -3498,7 +3505,7 @@
           <a:p>
             <a:fld id="{A8BCE78A-98BB-437E-BD89-2125479AB014}" type="slidenum">
               <a:rPr lang="en-US" smtClean="0"/>
-              <a:t>15</a:t>
+              <a:t>16</a:t>
             </a:fld>
             <a:endParaRPr lang="en-US"/>
           </a:p>
@@ -3582,7 +3589,7 @@
           <a:p>
             <a:fld id="{A8BCE78A-98BB-437E-BD89-2125479AB014}" type="slidenum">
               <a:rPr lang="en-US" smtClean="0"/>
-              <a:t>16</a:t>
+              <a:t>17</a:t>
             </a:fld>
             <a:endParaRPr lang="en-US"/>
           </a:p>
@@ -3666,7 +3673,7 @@
           <a:p>
             <a:fld id="{A8BCE78A-98BB-437E-BD89-2125479AB014}" type="slidenum">
               <a:rPr lang="en-US" smtClean="0"/>
-              <a:t>17</a:t>
+              <a:t>18</a:t>
             </a:fld>
             <a:endParaRPr lang="en-US"/>
           </a:p>
@@ -3765,7 +3772,7 @@
           <a:p>
             <a:fld id="{A8BCE78A-98BB-437E-BD89-2125479AB014}" type="slidenum">
               <a:rPr lang="en-US" smtClean="0"/>
-              <a:t>21</a:t>
+              <a:t>22</a:t>
             </a:fld>
             <a:endParaRPr lang="en-US"/>
           </a:p>
@@ -3849,7 +3856,7 @@
           <a:p>
             <a:fld id="{A8BCE78A-98BB-437E-BD89-2125479AB014}" type="slidenum">
               <a:rPr lang="en-US" smtClean="0"/>
-              <a:t>23</a:t>
+              <a:t>24</a:t>
             </a:fld>
             <a:endParaRPr lang="en-US"/>
           </a:p>
@@ -3936,7 +3943,7 @@
           <a:p>
             <a:fld id="{A8BCE78A-98BB-437E-BD89-2125479AB014}" type="slidenum">
               <a:rPr lang="en-US" smtClean="0"/>
-              <a:t>24</a:t>
+              <a:t>25</a:t>
             </a:fld>
             <a:endParaRPr lang="en-US"/>
           </a:p>
@@ -4023,7 +4030,7 @@
           <a:p>
             <a:fld id="{A8BCE78A-98BB-437E-BD89-2125479AB014}" type="slidenum">
               <a:rPr lang="en-US" smtClean="0"/>
-              <a:t>25</a:t>
+              <a:t>26</a:t>
             </a:fld>
             <a:endParaRPr lang="en-US"/>
           </a:p>
@@ -4114,7 +4121,7 @@
           <a:p>
             <a:fld id="{8D997B44-F176-4CA8-A89C-7EA17381A1CA}" type="slidenum">
               <a:rPr lang="en-US" smtClean="0"/>
-              <a:t>28</a:t>
+              <a:t>30</a:t>
             </a:fld>
             <a:endParaRPr lang="en-US"/>
           </a:p>
@@ -5146,7 +5153,7 @@
           <a:p>
             <a:fld id="{AA58F0C6-9703-47D7-8233-838C756D61C9}" type="datetimeFigureOut">
               <a:rPr lang="en-US" smtClean="0"/>
-              <a:t>5/11/2024</a:t>
+              <a:t>5/13/2024</a:t>
             </a:fld>
             <a:endParaRPr lang="en-US"/>
           </a:p>
@@ -5344,7 +5351,7 @@
           <a:p>
             <a:fld id="{AA58F0C6-9703-47D7-8233-838C756D61C9}" type="datetimeFigureOut">
               <a:rPr lang="en-US" smtClean="0"/>
-              <a:t>5/11/2024</a:t>
+              <a:t>5/13/2024</a:t>
             </a:fld>
             <a:endParaRPr lang="en-US"/>
           </a:p>
@@ -5552,7 +5559,7 @@
           <a:p>
             <a:fld id="{AA58F0C6-9703-47D7-8233-838C756D61C9}" type="datetimeFigureOut">
               <a:rPr lang="en-US" smtClean="0"/>
-              <a:t>5/11/2024</a:t>
+              <a:t>5/13/2024</a:t>
             </a:fld>
             <a:endParaRPr lang="en-US"/>
           </a:p>
@@ -6339,7 +6346,7 @@
           <a:p>
             <a:fld id="{AA58F0C6-9703-47D7-8233-838C756D61C9}" type="datetimeFigureOut">
               <a:rPr lang="en-US" smtClean="0"/>
-              <a:t>5/11/2024</a:t>
+              <a:t>5/13/2024</a:t>
             </a:fld>
             <a:endParaRPr lang="en-US"/>
           </a:p>
@@ -6614,7 +6621,7 @@
           <a:p>
             <a:fld id="{AA58F0C6-9703-47D7-8233-838C756D61C9}" type="datetimeFigureOut">
               <a:rPr lang="en-US" smtClean="0"/>
-              <a:t>5/11/2024</a:t>
+              <a:t>5/13/2024</a:t>
             </a:fld>
             <a:endParaRPr lang="en-US"/>
           </a:p>
@@ -6879,7 +6886,7 @@
           <a:p>
             <a:fld id="{AA58F0C6-9703-47D7-8233-838C756D61C9}" type="datetimeFigureOut">
               <a:rPr lang="en-US" smtClean="0"/>
-              <a:t>5/11/2024</a:t>
+              <a:t>5/13/2024</a:t>
             </a:fld>
             <a:endParaRPr lang="en-US"/>
           </a:p>
@@ -7291,7 +7298,7 @@
           <a:p>
             <a:fld id="{AA58F0C6-9703-47D7-8233-838C756D61C9}" type="datetimeFigureOut">
               <a:rPr lang="en-US" smtClean="0"/>
-              <a:t>5/11/2024</a:t>
+              <a:t>5/13/2024</a:t>
             </a:fld>
             <a:endParaRPr lang="en-US"/>
           </a:p>
@@ -7432,7 +7439,7 @@
           <a:p>
             <a:fld id="{AA58F0C6-9703-47D7-8233-838C756D61C9}" type="datetimeFigureOut">
               <a:rPr lang="en-US" smtClean="0"/>
-              <a:t>5/11/2024</a:t>
+              <a:t>5/13/2024</a:t>
             </a:fld>
             <a:endParaRPr lang="en-US"/>
           </a:p>
@@ -7545,7 +7552,7 @@
           <a:p>
             <a:fld id="{AA58F0C6-9703-47D7-8233-838C756D61C9}" type="datetimeFigureOut">
               <a:rPr lang="en-US" smtClean="0"/>
-              <a:t>5/11/2024</a:t>
+              <a:t>5/13/2024</a:t>
             </a:fld>
             <a:endParaRPr lang="en-US"/>
           </a:p>
@@ -7856,7 +7863,7 @@
           <a:p>
             <a:fld id="{AA58F0C6-9703-47D7-8233-838C756D61C9}" type="datetimeFigureOut">
               <a:rPr lang="en-US" smtClean="0"/>
-              <a:t>5/11/2024</a:t>
+              <a:t>5/13/2024</a:t>
             </a:fld>
             <a:endParaRPr lang="en-US"/>
           </a:p>
@@ -8144,7 +8151,7 @@
           <a:p>
             <a:fld id="{AA58F0C6-9703-47D7-8233-838C756D61C9}" type="datetimeFigureOut">
               <a:rPr lang="en-US" smtClean="0"/>
-              <a:t>5/11/2024</a:t>
+              <a:t>5/13/2024</a:t>
             </a:fld>
             <a:endParaRPr lang="en-US"/>
           </a:p>
@@ -8385,7 +8392,7 @@
           <a:p>
             <a:fld id="{AA58F0C6-9703-47D7-8233-838C756D61C9}" type="datetimeFigureOut">
               <a:rPr lang="en-US" smtClean="0"/>
-              <a:t>5/11/2024</a:t>
+              <a:t>5/13/2024</a:t>
             </a:fld>
             <a:endParaRPr lang="en-US"/>
           </a:p>
@@ -8920,8 +8927,8 @@
           </a:p>
         </p:txBody>
       </p:sp>
-      <mc:AlternateContent xmlns:mc="http://schemas.openxmlformats.org/markup-compatibility/2006">
-        <mc:Choice xmlns:a14="http://schemas.microsoft.com/office/drawing/2010/main" Requires="a14">
+      <mc:AlternateContent xmlns:mc="http://schemas.openxmlformats.org/markup-compatibility/2006" xmlns:a14="http://schemas.microsoft.com/office/drawing/2010/main">
+        <mc:Choice Requires="a14">
           <p:graphicFrame>
             <p:nvGraphicFramePr>
               <p:cNvPr id="4" name="Content Placeholder 3">
@@ -9240,7 +9247,7 @@
             </a:graphic>
           </p:graphicFrame>
         </mc:Choice>
-        <mc:Fallback>
+        <mc:Fallback xmlns="">
           <p:graphicFrame>
             <p:nvGraphicFramePr>
               <p:cNvPr id="4" name="Content Placeholder 3">
@@ -9774,8 +9781,8 @@
           </a:p>
         </p:txBody>
       </p:sp>
-      <mc:AlternateContent xmlns:mc="http://schemas.openxmlformats.org/markup-compatibility/2006">
-        <mc:Choice xmlns:a14="http://schemas.microsoft.com/office/drawing/2010/main" Requires="a14">
+      <mc:AlternateContent xmlns:mc="http://schemas.openxmlformats.org/markup-compatibility/2006" xmlns:a14="http://schemas.microsoft.com/office/drawing/2010/main">
+        <mc:Choice Requires="a14">
           <p:graphicFrame>
             <p:nvGraphicFramePr>
               <p:cNvPr id="2" name="Content Placeholder 3">
@@ -10106,7 +10113,7 @@
             </a:graphic>
           </p:graphicFrame>
         </mc:Choice>
-        <mc:Fallback>
+        <mc:Fallback xmlns="">
           <p:graphicFrame>
             <p:nvGraphicFramePr>
               <p:cNvPr id="2" name="Content Placeholder 3">
@@ -10785,7 +10792,7 @@
           <a:p>
             <a:r>
               <a:rPr lang="en-US" dirty="0"/>
-              <a:t>14906 games </a:t>
+              <a:t>14906 games (Basketball)</a:t>
             </a:r>
           </a:p>
           <a:p>
@@ -11050,6 +11057,113 @@
           <p:cNvPr id="2" name="Title 1">
             <a:extLst>
               <a:ext uri="{FF2B5EF4-FFF2-40B4-BE49-F238E27FC236}">
+                <a16:creationId xmlns:a16="http://schemas.microsoft.com/office/drawing/2014/main" id="{F2EB443C-4BB6-6E80-A198-9D814BC398BE}"/>
+              </a:ext>
+            </a:extLst>
+          </p:cNvPr>
+          <p:cNvSpPr>
+            <a:spLocks noGrp="1"/>
+          </p:cNvSpPr>
+          <p:nvPr>
+            <p:ph type="title"/>
+          </p:nvPr>
+        </p:nvSpPr>
+        <p:spPr/>
+        <p:txBody>
+          <a:bodyPr/>
+          <a:lstStyle/>
+          <a:p>
+            <a:r>
+              <a:rPr lang="en-US" dirty="0"/>
+              <a:t>Probability Estimates</a:t>
+            </a:r>
+          </a:p>
+        </p:txBody>
+      </p:sp>
+      <p:sp>
+        <p:nvSpPr>
+          <p:cNvPr id="3" name="Content Placeholder 2">
+            <a:extLst>
+              <a:ext uri="{FF2B5EF4-FFF2-40B4-BE49-F238E27FC236}">
+                <a16:creationId xmlns:a16="http://schemas.microsoft.com/office/drawing/2014/main" id="{37F85F1C-B011-0CF5-0B60-DD295E8F49F1}"/>
+              </a:ext>
+            </a:extLst>
+          </p:cNvPr>
+          <p:cNvSpPr>
+            <a:spLocks noGrp="1"/>
+          </p:cNvSpPr>
+          <p:nvPr>
+            <p:ph idx="1"/>
+          </p:nvPr>
+        </p:nvSpPr>
+        <p:spPr/>
+        <p:txBody>
+          <a:bodyPr/>
+          <a:lstStyle/>
+          <a:p>
+            <a:r>
+              <a:rPr lang="en-US" dirty="0"/>
+              <a:t>Contrary to theoretical setting, we do not know the probability of each outcome. Therefore, we need to estimate it using (normalized) implied probability. 3 strategies:</a:t>
+            </a:r>
+          </a:p>
+          <a:p>
+            <a:pPr lvl="1"/>
+            <a:r>
+              <a:rPr lang="en-US" dirty="0"/>
+              <a:t>“Single prob”: only highest odds for each outcome is considered. Probabilities are estimated as the implied probability of this single odds observation.</a:t>
+            </a:r>
+          </a:p>
+          <a:p>
+            <a:pPr lvl="1"/>
+            <a:r>
+              <a:rPr lang="en-US" dirty="0"/>
+              <a:t>“Mean prob”: odds from different bookies give multiple observations of (normalized) implied probabilities, we take the mean as the estimate</a:t>
+            </a:r>
+          </a:p>
+          <a:p>
+            <a:pPr lvl="1"/>
+            <a:r>
+              <a:rPr lang="en-US" dirty="0"/>
+              <a:t>“Median prob”: same as above, but we take the median and re-normalize</a:t>
+            </a:r>
+          </a:p>
+        </p:txBody>
+      </p:sp>
+    </p:spTree>
+    <p:extLst>
+      <p:ext uri="{BB962C8B-B14F-4D97-AF65-F5344CB8AC3E}">
+        <p14:creationId xmlns:p14="http://schemas.microsoft.com/office/powerpoint/2010/main" val="3061932458"/>
+      </p:ext>
+    </p:extLst>
+  </p:cSld>
+  <p:clrMapOvr>
+    <a:masterClrMapping/>
+  </p:clrMapOvr>
+</p:sld>
+</file>
+
+<file path=ppt/slides/slide16.xml><?xml version="1.0" encoding="utf-8"?>
+<p:sld xmlns:a="http://schemas.openxmlformats.org/drawingml/2006/main" xmlns:r="http://schemas.openxmlformats.org/officeDocument/2006/relationships" xmlns:p="http://schemas.openxmlformats.org/presentationml/2006/main">
+  <p:cSld>
+    <p:spTree>
+      <p:nvGrpSpPr>
+        <p:cNvPr id="1" name=""/>
+        <p:cNvGrpSpPr/>
+        <p:nvPr/>
+      </p:nvGrpSpPr>
+      <p:grpSpPr>
+        <a:xfrm>
+          <a:off x="0" y="0"/>
+          <a:ext cx="0" cy="0"/>
+          <a:chOff x="0" y="0"/>
+          <a:chExt cx="0" cy="0"/>
+        </a:xfrm>
+      </p:grpSpPr>
+      <p:sp>
+        <p:nvSpPr>
+          <p:cNvPr id="2" name="Title 1">
+            <a:extLst>
+              <a:ext uri="{FF2B5EF4-FFF2-40B4-BE49-F238E27FC236}">
                 <a16:creationId xmlns:a16="http://schemas.microsoft.com/office/drawing/2014/main" id="{4BC7A3E3-381D-6CB8-90E3-54CAC012EE3F}"/>
               </a:ext>
             </a:extLst>
@@ -11061,7 +11175,12 @@
             <p:ph type="title"/>
           </p:nvPr>
         </p:nvSpPr>
-        <p:spPr/>
+        <p:spPr>
+          <a:xfrm>
+            <a:off x="838200" y="56515"/>
+            <a:ext cx="10515600" cy="1325563"/>
+          </a:xfrm>
+        </p:spPr>
         <p:txBody>
           <a:bodyPr/>
           <a:lstStyle/>
@@ -11092,13 +11211,13 @@
           <p:nvPr>
             <p:extLst>
               <p:ext uri="{D42A27DB-BD31-4B8C-83A1-F6EECF244321}">
-                <p14:modId xmlns:p14="http://schemas.microsoft.com/office/powerpoint/2010/main" val="837358820"/>
+                <p14:modId xmlns:p14="http://schemas.microsoft.com/office/powerpoint/2010/main" val="775585836"/>
               </p:ext>
             </p:extLst>
           </p:nvPr>
         </p:nvGraphicFramePr>
         <p:xfrm>
-          <a:off x="797257" y="5212715"/>
+          <a:off x="797257" y="4618355"/>
           <a:ext cx="10597485" cy="1280160"/>
         </p:xfrm>
         <a:graphic>
@@ -11448,7 +11567,7 @@
         </p:blipFill>
         <p:spPr>
           <a:xfrm>
-            <a:off x="558937" y="1475266"/>
+            <a:off x="558937" y="1120936"/>
             <a:ext cx="5418559" cy="3352159"/>
           </a:xfrm>
           <a:prstGeom prst="rect">
@@ -11484,7 +11603,7 @@
         </p:blipFill>
         <p:spPr>
           <a:xfrm>
-            <a:off x="6284567" y="1475265"/>
+            <a:off x="6284567" y="1109505"/>
             <a:ext cx="5418558" cy="3352159"/>
           </a:xfrm>
           <a:prstGeom prst="rect">
@@ -11492,6 +11611,57 @@
           </a:prstGeom>
         </p:spPr>
       </p:pic>
+      <p:sp>
+        <p:nvSpPr>
+          <p:cNvPr id="3" name="TextBox 2">
+            <a:extLst>
+              <a:ext uri="{FF2B5EF4-FFF2-40B4-BE49-F238E27FC236}">
+                <a16:creationId xmlns:a16="http://schemas.microsoft.com/office/drawing/2014/main" id="{1F0AEA04-C35F-B69A-0C99-9063B57E246F}"/>
+              </a:ext>
+            </a:extLst>
+          </p:cNvPr>
+          <p:cNvSpPr txBox="1"/>
+          <p:nvPr/>
+        </p:nvSpPr>
+        <p:spPr>
+          <a:xfrm>
+            <a:off x="571500" y="6160770"/>
+            <a:ext cx="11007090" cy="646331"/>
+          </a:xfrm>
+          <a:prstGeom prst="rect">
+            <a:avLst/>
+          </a:prstGeom>
+          <a:noFill/>
+        </p:spPr>
+        <p:txBody>
+          <a:bodyPr wrap="square" rtlCol="0">
+            <a:spAutoFit/>
+          </a:bodyPr>
+          <a:lstStyle/>
+          <a:p>
+            <a:r>
+              <a:rPr lang="en-US" dirty="0"/>
+              <a:t>With </a:t>
+            </a:r>
+            <a:r>
+              <a:rPr lang="en-US" dirty="0" err="1"/>
+              <a:t>superfair</a:t>
+            </a:r>
+            <a:r>
+              <a:rPr lang="en-US" dirty="0"/>
+              <a:t> odds and “Single Prob” estimates, Kelly Strategy reduces to Arbitrage Betting: returns are deterministic</a:t>
+            </a:r>
+            <a:endParaRPr lang="en-US" sz="1800" kern="1200" dirty="0">
+              <a:solidFill>
+                <a:schemeClr val="tx1"/>
+              </a:solidFill>
+              <a:latin typeface="+mn-lt"/>
+              <a:ea typeface="+mn-ea"/>
+              <a:cs typeface="+mn-cs"/>
+            </a:endParaRPr>
+          </a:p>
+        </p:txBody>
+      </p:sp>
     </p:spTree>
     <p:extLst>
       <p:ext uri="{BB962C8B-B14F-4D97-AF65-F5344CB8AC3E}">
@@ -11505,7 +11675,7 @@
 </p:sld>
 </file>
 
-<file path=ppt/slides/slide16.xml><?xml version="1.0" encoding="utf-8"?>
+<file path=ppt/slides/slide17.xml><?xml version="1.0" encoding="utf-8"?>
 <p:sld xmlns:a="http://schemas.openxmlformats.org/drawingml/2006/main" xmlns:r="http://schemas.openxmlformats.org/officeDocument/2006/relationships" xmlns:p="http://schemas.openxmlformats.org/presentationml/2006/main">
   <p:cSld>
     <p:spTree>
@@ -11982,7 +12152,7 @@
 </p:sld>
 </file>
 
-<file path=ppt/slides/slide17.xml><?xml version="1.0" encoding="utf-8"?>
+<file path=ppt/slides/slide18.xml><?xml version="1.0" encoding="utf-8"?>
 <p:sld xmlns:a="http://schemas.openxmlformats.org/drawingml/2006/main" xmlns:r="http://schemas.openxmlformats.org/officeDocument/2006/relationships" xmlns:p="http://schemas.openxmlformats.org/presentationml/2006/main">
   <p:cSld>
     <p:spTree>
@@ -12459,7 +12629,7 @@
 </p:sld>
 </file>
 
-<file path=ppt/slides/slide18.xml><?xml version="1.0" encoding="utf-8"?>
+<file path=ppt/slides/slide19.xml><?xml version="1.0" encoding="utf-8"?>
 <p:sld xmlns:a="http://schemas.openxmlformats.org/drawingml/2006/main" xmlns:r="http://schemas.openxmlformats.org/officeDocument/2006/relationships" xmlns:p="http://schemas.openxmlformats.org/presentationml/2006/main">
   <p:cSld>
     <p:spTree>
@@ -13642,108 +13812,6 @@
 </p:sld>
 </file>
 
-<file path=ppt/slides/slide19.xml><?xml version="1.0" encoding="utf-8"?>
-<p:sld xmlns:a="http://schemas.openxmlformats.org/drawingml/2006/main" xmlns:r="http://schemas.openxmlformats.org/officeDocument/2006/relationships" xmlns:p="http://schemas.openxmlformats.org/presentationml/2006/main">
-  <p:cSld>
-    <p:spTree>
-      <p:nvGrpSpPr>
-        <p:cNvPr id="1" name=""/>
-        <p:cNvGrpSpPr/>
-        <p:nvPr/>
-      </p:nvGrpSpPr>
-      <p:grpSpPr>
-        <a:xfrm>
-          <a:off x="0" y="0"/>
-          <a:ext cx="0" cy="0"/>
-          <a:chOff x="0" y="0"/>
-          <a:chExt cx="0" cy="0"/>
-        </a:xfrm>
-      </p:grpSpPr>
-      <p:pic>
-        <p:nvPicPr>
-          <p:cNvPr id="7" name="Picture 6" descr="A graph of a number of gray bars&#10;&#10;Description automatically generated with medium confidence">
-            <a:extLst>
-              <a:ext uri="{FF2B5EF4-FFF2-40B4-BE49-F238E27FC236}">
-                <a16:creationId xmlns:a16="http://schemas.microsoft.com/office/drawing/2014/main" id="{0CEF1825-AD64-AE45-E33F-34F6AAE14854}"/>
-              </a:ext>
-            </a:extLst>
-          </p:cNvPr>
-          <p:cNvPicPr>
-            <a:picLocks noChangeAspect="1"/>
-          </p:cNvPicPr>
-          <p:nvPr/>
-        </p:nvPicPr>
-        <p:blipFill>
-          <a:blip r:embed="rId2">
-            <a:extLst>
-              <a:ext uri="{28A0092B-C50C-407E-A947-70E740481C1C}">
-                <a14:useLocalDpi xmlns:a14="http://schemas.microsoft.com/office/drawing/2010/main" val="0"/>
-              </a:ext>
-            </a:extLst>
-          </a:blip>
-          <a:stretch>
-            <a:fillRect/>
-          </a:stretch>
-        </p:blipFill>
-        <p:spPr>
-          <a:xfrm>
-            <a:off x="6186985" y="1849285"/>
-            <a:ext cx="5497997" cy="3401303"/>
-          </a:xfrm>
-          <a:prstGeom prst="rect">
-            <a:avLst/>
-          </a:prstGeom>
-        </p:spPr>
-      </p:pic>
-      <p:pic>
-        <p:nvPicPr>
-          <p:cNvPr id="10" name="Content Placeholder 9" descr="A graph of a number of columns&#10;&#10;Description automatically generated with medium confidence">
-            <a:extLst>
-              <a:ext uri="{FF2B5EF4-FFF2-40B4-BE49-F238E27FC236}">
-                <a16:creationId xmlns:a16="http://schemas.microsoft.com/office/drawing/2014/main" id="{683E8B00-6B8A-FB16-8688-4C214D8AD0E5}"/>
-              </a:ext>
-            </a:extLst>
-          </p:cNvPr>
-          <p:cNvPicPr>
-            <a:picLocks noChangeAspect="1"/>
-          </p:cNvPicPr>
-          <p:nvPr/>
-        </p:nvPicPr>
-        <p:blipFill>
-          <a:blip r:embed="rId3">
-            <a:extLst>
-              <a:ext uri="{28A0092B-C50C-407E-A947-70E740481C1C}">
-                <a14:useLocalDpi xmlns:a14="http://schemas.microsoft.com/office/drawing/2010/main" val="0"/>
-              </a:ext>
-            </a:extLst>
-          </a:blip>
-          <a:stretch>
-            <a:fillRect/>
-          </a:stretch>
-        </p:blipFill>
-        <p:spPr>
-          <a:xfrm>
-            <a:off x="688988" y="1849285"/>
-            <a:ext cx="5497997" cy="3401303"/>
-          </a:xfrm>
-          <a:prstGeom prst="rect">
-            <a:avLst/>
-          </a:prstGeom>
-        </p:spPr>
-      </p:pic>
-    </p:spTree>
-    <p:extLst>
-      <p:ext uri="{BB962C8B-B14F-4D97-AF65-F5344CB8AC3E}">
-        <p14:creationId xmlns:p14="http://schemas.microsoft.com/office/powerpoint/2010/main" val="1844195135"/>
-      </p:ext>
-    </p:extLst>
-  </p:cSld>
-  <p:clrMapOvr>
-    <a:masterClrMapping/>
-  </p:clrMapOvr>
-</p:sld>
-</file>
-
 <file path=ppt/slides/slide2.xml><?xml version="1.0" encoding="utf-8"?>
 <p:sld xmlns:a="http://schemas.openxmlformats.org/drawingml/2006/main" xmlns:r="http://schemas.openxmlformats.org/officeDocument/2006/relationships" xmlns:p="http://schemas.openxmlformats.org/presentationml/2006/main">
   <p:cSld>
@@ -13959,6 +14027,108 @@
           <a:chExt cx="0" cy="0"/>
         </a:xfrm>
       </p:grpSpPr>
+      <p:pic>
+        <p:nvPicPr>
+          <p:cNvPr id="7" name="Picture 6" descr="A graph of a number of gray bars&#10;&#10;Description automatically generated with medium confidence">
+            <a:extLst>
+              <a:ext uri="{FF2B5EF4-FFF2-40B4-BE49-F238E27FC236}">
+                <a16:creationId xmlns:a16="http://schemas.microsoft.com/office/drawing/2014/main" id="{0CEF1825-AD64-AE45-E33F-34F6AAE14854}"/>
+              </a:ext>
+            </a:extLst>
+          </p:cNvPr>
+          <p:cNvPicPr>
+            <a:picLocks noChangeAspect="1"/>
+          </p:cNvPicPr>
+          <p:nvPr/>
+        </p:nvPicPr>
+        <p:blipFill>
+          <a:blip r:embed="rId2">
+            <a:extLst>
+              <a:ext uri="{28A0092B-C50C-407E-A947-70E740481C1C}">
+                <a14:useLocalDpi xmlns:a14="http://schemas.microsoft.com/office/drawing/2010/main" val="0"/>
+              </a:ext>
+            </a:extLst>
+          </a:blip>
+          <a:stretch>
+            <a:fillRect/>
+          </a:stretch>
+        </p:blipFill>
+        <p:spPr>
+          <a:xfrm>
+            <a:off x="6186985" y="1849285"/>
+            <a:ext cx="5497997" cy="3401303"/>
+          </a:xfrm>
+          <a:prstGeom prst="rect">
+            <a:avLst/>
+          </a:prstGeom>
+        </p:spPr>
+      </p:pic>
+      <p:pic>
+        <p:nvPicPr>
+          <p:cNvPr id="10" name="Content Placeholder 9" descr="A graph of a number of columns&#10;&#10;Description automatically generated with medium confidence">
+            <a:extLst>
+              <a:ext uri="{FF2B5EF4-FFF2-40B4-BE49-F238E27FC236}">
+                <a16:creationId xmlns:a16="http://schemas.microsoft.com/office/drawing/2014/main" id="{683E8B00-6B8A-FB16-8688-4C214D8AD0E5}"/>
+              </a:ext>
+            </a:extLst>
+          </p:cNvPr>
+          <p:cNvPicPr>
+            <a:picLocks noChangeAspect="1"/>
+          </p:cNvPicPr>
+          <p:nvPr/>
+        </p:nvPicPr>
+        <p:blipFill>
+          <a:blip r:embed="rId3">
+            <a:extLst>
+              <a:ext uri="{28A0092B-C50C-407E-A947-70E740481C1C}">
+                <a14:useLocalDpi xmlns:a14="http://schemas.microsoft.com/office/drawing/2010/main" val="0"/>
+              </a:ext>
+            </a:extLst>
+          </a:blip>
+          <a:stretch>
+            <a:fillRect/>
+          </a:stretch>
+        </p:blipFill>
+        <p:spPr>
+          <a:xfrm>
+            <a:off x="688988" y="1849285"/>
+            <a:ext cx="5497997" cy="3401303"/>
+          </a:xfrm>
+          <a:prstGeom prst="rect">
+            <a:avLst/>
+          </a:prstGeom>
+        </p:spPr>
+      </p:pic>
+    </p:spTree>
+    <p:extLst>
+      <p:ext uri="{BB962C8B-B14F-4D97-AF65-F5344CB8AC3E}">
+        <p14:creationId xmlns:p14="http://schemas.microsoft.com/office/powerpoint/2010/main" val="1844195135"/>
+      </p:ext>
+    </p:extLst>
+  </p:cSld>
+  <p:clrMapOvr>
+    <a:masterClrMapping/>
+  </p:clrMapOvr>
+</p:sld>
+</file>
+
+<file path=ppt/slides/slide21.xml><?xml version="1.0" encoding="utf-8"?>
+<p:sld xmlns:a="http://schemas.openxmlformats.org/drawingml/2006/main" xmlns:r="http://schemas.openxmlformats.org/officeDocument/2006/relationships" xmlns:p="http://schemas.openxmlformats.org/presentationml/2006/main">
+  <p:cSld>
+    <p:spTree>
+      <p:nvGrpSpPr>
+        <p:cNvPr id="1" name=""/>
+        <p:cNvGrpSpPr/>
+        <p:nvPr/>
+      </p:nvGrpSpPr>
+      <p:grpSpPr>
+        <a:xfrm>
+          <a:off x="0" y="0"/>
+          <a:ext cx="0" cy="0"/>
+          <a:chOff x="0" y="0"/>
+          <a:chExt cx="0" cy="0"/>
+        </a:xfrm>
+      </p:grpSpPr>
       <p:sp>
         <p:nvSpPr>
           <p:cNvPr id="2" name="Title 1">
@@ -14050,7 +14220,7 @@
 </p:sld>
 </file>
 
-<file path=ppt/slides/slide21.xml><?xml version="1.0" encoding="utf-8"?>
+<file path=ppt/slides/slide22.xml><?xml version="1.0" encoding="utf-8"?>
 <p:sld xmlns:a="http://schemas.openxmlformats.org/drawingml/2006/main" xmlns:r="http://schemas.openxmlformats.org/officeDocument/2006/relationships" xmlns:p="http://schemas.openxmlformats.org/presentationml/2006/main">
   <p:cSld>
     <p:spTree>
@@ -15168,7 +15338,7 @@
 </p:sld>
 </file>
 
-<file path=ppt/slides/slide22.xml><?xml version="1.0" encoding="utf-8"?>
+<file path=ppt/slides/slide23.xml><?xml version="1.0" encoding="utf-8"?>
 <p:sld xmlns:a="http://schemas.openxmlformats.org/drawingml/2006/main" xmlns:r="http://schemas.openxmlformats.org/officeDocument/2006/relationships" xmlns:p="http://schemas.openxmlformats.org/presentationml/2006/main">
   <p:cSld>
     <p:spTree>
@@ -15830,7 +16000,7 @@
 </p:sld>
 </file>
 
-<file path=ppt/slides/slide23.xml><?xml version="1.0" encoding="utf-8"?>
+<file path=ppt/slides/slide24.xml><?xml version="1.0" encoding="utf-8"?>
 <p:sld xmlns:a="http://schemas.openxmlformats.org/drawingml/2006/main" xmlns:r="http://schemas.openxmlformats.org/officeDocument/2006/relationships" xmlns:p="http://schemas.openxmlformats.org/presentationml/2006/main">
   <p:cSld>
     <p:spTree>
@@ -15870,7 +16040,7 @@
           <a:p>
             <a:r>
               <a:rPr lang="en-US" dirty="0"/>
-              <a:t>Data Set 2</a:t>
+              <a:t>Data Set 2 </a:t>
             </a:r>
           </a:p>
         </p:txBody>
@@ -15904,7 +16074,7 @@
           <a:p>
             <a:r>
               <a:rPr lang="en-US" dirty="0"/>
-              <a:t>479440 games </a:t>
+              <a:t>479440 games (Soccer 2005-2015)</a:t>
             </a:r>
           </a:p>
           <a:p>
@@ -16318,7 +16488,7 @@
 </p:sld>
 </file>
 
-<file path=ppt/slides/slide24.xml><?xml version="1.0" encoding="utf-8"?>
+<file path=ppt/slides/slide25.xml><?xml version="1.0" encoding="utf-8"?>
 <p:sld xmlns:a="http://schemas.openxmlformats.org/drawingml/2006/main" xmlns:r="http://schemas.openxmlformats.org/officeDocument/2006/relationships" xmlns:p="http://schemas.openxmlformats.org/presentationml/2006/main">
   <p:cSld>
     <p:spTree>
@@ -17300,7 +17470,7 @@
 </p:sld>
 </file>
 
-<file path=ppt/slides/slide25.xml><?xml version="1.0" encoding="utf-8"?>
+<file path=ppt/slides/slide26.xml><?xml version="1.0" encoding="utf-8"?>
 <p:sld xmlns:a="http://schemas.openxmlformats.org/drawingml/2006/main" xmlns:r="http://schemas.openxmlformats.org/officeDocument/2006/relationships" xmlns:p="http://schemas.openxmlformats.org/presentationml/2006/main">
   <p:cSld>
     <p:spTree>
@@ -17826,7 +17996,7 @@
 </p:sld>
 </file>
 
-<file path=ppt/slides/slide26.xml><?xml version="1.0" encoding="utf-8"?>
+<file path=ppt/slides/slide27.xml><?xml version="1.0" encoding="utf-8"?>
 <p:sld xmlns:a="http://schemas.openxmlformats.org/drawingml/2006/main" xmlns:r="http://schemas.openxmlformats.org/officeDocument/2006/relationships" xmlns:p="http://schemas.openxmlformats.org/presentationml/2006/main">
   <p:cSld>
     <p:spTree>
@@ -17946,7 +18116,265 @@
 </p:sld>
 </file>
 
-<file path=ppt/slides/slide27.xml><?xml version="1.0" encoding="utf-8"?>
+<file path=ppt/slides/slide28.xml><?xml version="1.0" encoding="utf-8"?>
+<p:sld xmlns:a="http://schemas.openxmlformats.org/drawingml/2006/main" xmlns:r="http://schemas.openxmlformats.org/officeDocument/2006/relationships" xmlns:p="http://schemas.openxmlformats.org/presentationml/2006/main">
+  <p:cSld>
+    <p:spTree>
+      <p:nvGrpSpPr>
+        <p:cNvPr id="1" name=""/>
+        <p:cNvGrpSpPr/>
+        <p:nvPr/>
+      </p:nvGrpSpPr>
+      <p:grpSpPr>
+        <a:xfrm>
+          <a:off x="0" y="0"/>
+          <a:ext cx="0" cy="0"/>
+          <a:chOff x="0" y="0"/>
+          <a:chExt cx="0" cy="0"/>
+        </a:xfrm>
+      </p:grpSpPr>
+      <p:sp>
+        <p:nvSpPr>
+          <p:cNvPr id="2" name="Title 1">
+            <a:extLst>
+              <a:ext uri="{FF2B5EF4-FFF2-40B4-BE49-F238E27FC236}">
+                <a16:creationId xmlns:a16="http://schemas.microsoft.com/office/drawing/2014/main" id="{7F52C472-B528-07E3-F2F4-525B585442EA}"/>
+              </a:ext>
+            </a:extLst>
+          </p:cNvPr>
+          <p:cNvSpPr>
+            <a:spLocks noGrp="1"/>
+          </p:cNvSpPr>
+          <p:nvPr>
+            <p:ph type="title"/>
+          </p:nvPr>
+        </p:nvSpPr>
+        <p:spPr/>
+        <p:txBody>
+          <a:bodyPr/>
+          <a:lstStyle/>
+          <a:p>
+            <a:r>
+              <a:rPr lang="en-US" dirty="0"/>
+              <a:t>Possible future development</a:t>
+            </a:r>
+          </a:p>
+        </p:txBody>
+      </p:sp>
+      <p:sp>
+        <p:nvSpPr>
+          <p:cNvPr id="5" name="Content Placeholder 2">
+            <a:extLst>
+              <a:ext uri="{FF2B5EF4-FFF2-40B4-BE49-F238E27FC236}">
+                <a16:creationId xmlns:a16="http://schemas.microsoft.com/office/drawing/2014/main" id="{9808AEDE-F852-1E87-2DE8-3F3F37878CA9}"/>
+              </a:ext>
+            </a:extLst>
+          </p:cNvPr>
+          <p:cNvSpPr txBox="1">
+            <a:spLocks/>
+          </p:cNvSpPr>
+          <p:nvPr/>
+        </p:nvSpPr>
+        <p:spPr>
+          <a:xfrm>
+            <a:off x="838200" y="1825625"/>
+            <a:ext cx="10515600" cy="4351338"/>
+          </a:xfrm>
+          <a:prstGeom prst="rect">
+            <a:avLst/>
+          </a:prstGeom>
+        </p:spPr>
+        <p:txBody>
+          <a:bodyPr/>
+          <a:lstStyle>
+            <a:lvl1pPr marL="228600" indent="-228600" algn="l" defTabSz="914400" rtl="0" eaLnBrk="1" latinLnBrk="0" hangingPunct="1">
+              <a:lnSpc>
+                <a:spcPct val="90000"/>
+              </a:lnSpc>
+              <a:spcBef>
+                <a:spcPts val="1000"/>
+              </a:spcBef>
+              <a:buFont typeface="Arial" panose="020B0604020202020204" pitchFamily="34" charset="0"/>
+              <a:buChar char="•"/>
+              <a:defRPr sz="2800" kern="1200">
+                <a:solidFill>
+                  <a:schemeClr val="tx1"/>
+                </a:solidFill>
+                <a:latin typeface="+mn-lt"/>
+                <a:ea typeface="+mn-ea"/>
+                <a:cs typeface="+mn-cs"/>
+              </a:defRPr>
+            </a:lvl1pPr>
+            <a:lvl2pPr marL="685800" indent="-228600" algn="l" defTabSz="914400" rtl="0" eaLnBrk="1" latinLnBrk="0" hangingPunct="1">
+              <a:lnSpc>
+                <a:spcPct val="90000"/>
+              </a:lnSpc>
+              <a:spcBef>
+                <a:spcPts val="500"/>
+              </a:spcBef>
+              <a:buFont typeface="Arial" panose="020B0604020202020204" pitchFamily="34" charset="0"/>
+              <a:buChar char="•"/>
+              <a:defRPr sz="2400" kern="1200">
+                <a:solidFill>
+                  <a:schemeClr val="tx1"/>
+                </a:solidFill>
+                <a:latin typeface="+mn-lt"/>
+                <a:ea typeface="+mn-ea"/>
+                <a:cs typeface="+mn-cs"/>
+              </a:defRPr>
+            </a:lvl2pPr>
+            <a:lvl3pPr marL="1143000" indent="-228600" algn="l" defTabSz="914400" rtl="0" eaLnBrk="1" latinLnBrk="0" hangingPunct="1">
+              <a:lnSpc>
+                <a:spcPct val="90000"/>
+              </a:lnSpc>
+              <a:spcBef>
+                <a:spcPts val="500"/>
+              </a:spcBef>
+              <a:buFont typeface="Arial" panose="020B0604020202020204" pitchFamily="34" charset="0"/>
+              <a:buChar char="•"/>
+              <a:defRPr sz="2000" kern="1200">
+                <a:solidFill>
+                  <a:schemeClr val="tx1"/>
+                </a:solidFill>
+                <a:latin typeface="+mn-lt"/>
+                <a:ea typeface="+mn-ea"/>
+                <a:cs typeface="+mn-cs"/>
+              </a:defRPr>
+            </a:lvl3pPr>
+            <a:lvl4pPr marL="1600200" indent="-228600" algn="l" defTabSz="914400" rtl="0" eaLnBrk="1" latinLnBrk="0" hangingPunct="1">
+              <a:lnSpc>
+                <a:spcPct val="90000"/>
+              </a:lnSpc>
+              <a:spcBef>
+                <a:spcPts val="500"/>
+              </a:spcBef>
+              <a:buFont typeface="Arial" panose="020B0604020202020204" pitchFamily="34" charset="0"/>
+              <a:buChar char="•"/>
+              <a:defRPr sz="1800" kern="1200">
+                <a:solidFill>
+                  <a:schemeClr val="tx1"/>
+                </a:solidFill>
+                <a:latin typeface="+mn-lt"/>
+                <a:ea typeface="+mn-ea"/>
+                <a:cs typeface="+mn-cs"/>
+              </a:defRPr>
+            </a:lvl4pPr>
+            <a:lvl5pPr marL="2057400" indent="-228600" algn="l" defTabSz="914400" rtl="0" eaLnBrk="1" latinLnBrk="0" hangingPunct="1">
+              <a:lnSpc>
+                <a:spcPct val="90000"/>
+              </a:lnSpc>
+              <a:spcBef>
+                <a:spcPts val="500"/>
+              </a:spcBef>
+              <a:buFont typeface="Arial" panose="020B0604020202020204" pitchFamily="34" charset="0"/>
+              <a:buChar char="•"/>
+              <a:defRPr sz="1800" kern="1200">
+                <a:solidFill>
+                  <a:schemeClr val="tx1"/>
+                </a:solidFill>
+                <a:latin typeface="+mn-lt"/>
+                <a:ea typeface="+mn-ea"/>
+                <a:cs typeface="+mn-cs"/>
+              </a:defRPr>
+            </a:lvl5pPr>
+            <a:lvl6pPr marL="2514600" indent="-228600" algn="l" defTabSz="914400" rtl="0" eaLnBrk="1" latinLnBrk="0" hangingPunct="1">
+              <a:lnSpc>
+                <a:spcPct val="90000"/>
+              </a:lnSpc>
+              <a:spcBef>
+                <a:spcPts val="500"/>
+              </a:spcBef>
+              <a:buFont typeface="Arial" panose="020B0604020202020204" pitchFamily="34" charset="0"/>
+              <a:buChar char="•"/>
+              <a:defRPr sz="1800" kern="1200">
+                <a:solidFill>
+                  <a:schemeClr val="tx1"/>
+                </a:solidFill>
+                <a:latin typeface="+mn-lt"/>
+                <a:ea typeface="+mn-ea"/>
+                <a:cs typeface="+mn-cs"/>
+              </a:defRPr>
+            </a:lvl6pPr>
+            <a:lvl7pPr marL="2971800" indent="-228600" algn="l" defTabSz="914400" rtl="0" eaLnBrk="1" latinLnBrk="0" hangingPunct="1">
+              <a:lnSpc>
+                <a:spcPct val="90000"/>
+              </a:lnSpc>
+              <a:spcBef>
+                <a:spcPts val="500"/>
+              </a:spcBef>
+              <a:buFont typeface="Arial" panose="020B0604020202020204" pitchFamily="34" charset="0"/>
+              <a:buChar char="•"/>
+              <a:defRPr sz="1800" kern="1200">
+                <a:solidFill>
+                  <a:schemeClr val="tx1"/>
+                </a:solidFill>
+                <a:latin typeface="+mn-lt"/>
+                <a:ea typeface="+mn-ea"/>
+                <a:cs typeface="+mn-cs"/>
+              </a:defRPr>
+            </a:lvl7pPr>
+            <a:lvl8pPr marL="3429000" indent="-228600" algn="l" defTabSz="914400" rtl="0" eaLnBrk="1" latinLnBrk="0" hangingPunct="1">
+              <a:lnSpc>
+                <a:spcPct val="90000"/>
+              </a:lnSpc>
+              <a:spcBef>
+                <a:spcPts val="500"/>
+              </a:spcBef>
+              <a:buFont typeface="Arial" panose="020B0604020202020204" pitchFamily="34" charset="0"/>
+              <a:buChar char="•"/>
+              <a:defRPr sz="1800" kern="1200">
+                <a:solidFill>
+                  <a:schemeClr val="tx1"/>
+                </a:solidFill>
+                <a:latin typeface="+mn-lt"/>
+                <a:ea typeface="+mn-ea"/>
+                <a:cs typeface="+mn-cs"/>
+              </a:defRPr>
+            </a:lvl8pPr>
+            <a:lvl9pPr marL="3886200" indent="-228600" algn="l" defTabSz="914400" rtl="0" eaLnBrk="1" latinLnBrk="0" hangingPunct="1">
+              <a:lnSpc>
+                <a:spcPct val="90000"/>
+              </a:lnSpc>
+              <a:spcBef>
+                <a:spcPts val="500"/>
+              </a:spcBef>
+              <a:buFont typeface="Arial" panose="020B0604020202020204" pitchFamily="34" charset="0"/>
+              <a:buChar char="•"/>
+              <a:defRPr sz="1800" kern="1200">
+                <a:solidFill>
+                  <a:schemeClr val="tx1"/>
+                </a:solidFill>
+                <a:latin typeface="+mn-lt"/>
+                <a:ea typeface="+mn-ea"/>
+                <a:cs typeface="+mn-cs"/>
+              </a:defRPr>
+            </a:lvl9pPr>
+          </a:lstStyle>
+          <a:p>
+            <a:pPr marL="0" indent="0">
+              <a:buNone/>
+            </a:pPr>
+            <a:r>
+              <a:rPr lang="en-US" dirty="0"/>
+              <a:t>With longitudinal data, we could determine which bookies (if any) typically “get odds right”. Then, we could assign a weight to new observed odds base on the bookie’s historical performance. Probability estimates would then be a weighted mean of observations.</a:t>
+            </a:r>
+          </a:p>
+        </p:txBody>
+      </p:sp>
+    </p:spTree>
+    <p:extLst>
+      <p:ext uri="{BB962C8B-B14F-4D97-AF65-F5344CB8AC3E}">
+        <p14:creationId xmlns:p14="http://schemas.microsoft.com/office/powerpoint/2010/main" val="3193451778"/>
+      </p:ext>
+    </p:extLst>
+  </p:cSld>
+  <p:clrMapOvr>
+    <a:masterClrMapping/>
+  </p:clrMapOvr>
+</p:sld>
+</file>
+
+<file path=ppt/slides/slide29.xml><?xml version="1.0" encoding="utf-8"?>
 <p:sld xmlns:a="http://schemas.openxmlformats.org/drawingml/2006/main" xmlns:r="http://schemas.openxmlformats.org/officeDocument/2006/relationships" xmlns:p="http://schemas.openxmlformats.org/presentationml/2006/main">
   <p:cSld>
     <p:spTree>
@@ -18122,7 +18550,214 @@
 </p:sld>
 </file>
 
-<file path=ppt/slides/slide28.xml><?xml version="1.0" encoding="utf-8"?>
+<file path=ppt/slides/slide3.xml><?xml version="1.0" encoding="utf-8"?>
+<p:sld xmlns:a="http://schemas.openxmlformats.org/drawingml/2006/main" xmlns:r="http://schemas.openxmlformats.org/officeDocument/2006/relationships" xmlns:p="http://schemas.openxmlformats.org/presentationml/2006/main">
+  <p:cSld>
+    <p:spTree>
+      <p:nvGrpSpPr>
+        <p:cNvPr id="1" name="Shape 67"/>
+        <p:cNvGrpSpPr/>
+        <p:nvPr/>
+      </p:nvGrpSpPr>
+      <p:grpSpPr>
+        <a:xfrm>
+          <a:off x="0" y="0"/>
+          <a:ext cx="0" cy="0"/>
+          <a:chOff x="0" y="0"/>
+          <a:chExt cx="0" cy="0"/>
+        </a:xfrm>
+      </p:grpSpPr>
+      <p:sp>
+        <p:nvSpPr>
+          <p:cNvPr id="68" name="Google Shape;68;p15"/>
+          <p:cNvSpPr txBox="1">
+            <a:spLocks noGrp="1"/>
+          </p:cNvSpPr>
+          <p:nvPr>
+            <p:ph type="title"/>
+          </p:nvPr>
+        </p:nvSpPr>
+        <p:spPr>
+          <a:xfrm>
+            <a:off x="415600" y="593367"/>
+            <a:ext cx="11360800" cy="763600"/>
+          </a:xfrm>
+          <a:prstGeom prst="rect">
+            <a:avLst/>
+          </a:prstGeom>
+        </p:spPr>
+        <p:txBody>
+          <a:bodyPr spcFirstLastPara="1" vert="horz" wrap="square" lIns="121900" tIns="121900" rIns="121900" bIns="121900" rtlCol="0" anchor="t" anchorCtr="0">
+            <a:normAutofit fontScale="90000"/>
+          </a:bodyPr>
+          <a:lstStyle/>
+          <a:p>
+            <a:r>
+              <a:rPr lang="en"/>
+              <a:t>Odds</a:t>
+            </a:r>
+            <a:endParaRPr/>
+          </a:p>
+        </p:txBody>
+      </p:sp>
+      <p:sp>
+        <p:nvSpPr>
+          <p:cNvPr id="69" name="Google Shape;69;p15"/>
+          <p:cNvSpPr txBox="1">
+            <a:spLocks noGrp="1"/>
+          </p:cNvSpPr>
+          <p:nvPr>
+            <p:ph type="body" idx="1"/>
+          </p:nvPr>
+        </p:nvSpPr>
+        <p:spPr>
+          <a:xfrm>
+            <a:off x="415600" y="1536633"/>
+            <a:ext cx="11360800" cy="4555200"/>
+          </a:xfrm>
+          <a:prstGeom prst="rect">
+            <a:avLst/>
+          </a:prstGeom>
+        </p:spPr>
+        <p:txBody>
+          <a:bodyPr spcFirstLastPara="1" vert="horz" wrap="square" lIns="121900" tIns="121900" rIns="121900" bIns="121900" rtlCol="0" anchor="t" anchorCtr="0">
+            <a:normAutofit/>
+          </a:bodyPr>
+          <a:lstStyle/>
+          <a:p>
+            <a:r>
+              <a:rPr lang="en"/>
+              <a:t>European/</a:t>
+            </a:r>
+            <a:endParaRPr/>
+          </a:p>
+          <a:p>
+            <a:pPr indent="0">
+              <a:spcBef>
+                <a:spcPts val="1600"/>
+              </a:spcBef>
+              <a:buNone/>
+            </a:pPr>
+            <a:r>
+              <a:rPr lang="en"/>
+              <a:t>Decimal</a:t>
+            </a:r>
+            <a:endParaRPr/>
+          </a:p>
+          <a:p>
+            <a:pPr indent="0">
+              <a:spcBef>
+                <a:spcPts val="1600"/>
+              </a:spcBef>
+              <a:buNone/>
+            </a:pPr>
+            <a:endParaRPr/>
+          </a:p>
+          <a:p>
+            <a:pPr indent="0">
+              <a:spcBef>
+                <a:spcPts val="1600"/>
+              </a:spcBef>
+              <a:buNone/>
+            </a:pPr>
+            <a:endParaRPr/>
+          </a:p>
+          <a:p>
+            <a:pPr indent="0">
+              <a:spcBef>
+                <a:spcPts val="1600"/>
+              </a:spcBef>
+              <a:spcAft>
+                <a:spcPts val="1600"/>
+              </a:spcAft>
+              <a:buNone/>
+            </a:pPr>
+            <a:r>
+              <a:rPr lang="en"/>
+              <a:t>Example from Eurobet</a:t>
+            </a:r>
+            <a:endParaRPr/>
+          </a:p>
+        </p:txBody>
+      </p:sp>
+      <p:sp>
+        <p:nvSpPr>
+          <p:cNvPr id="70" name="Google Shape;70;p15"/>
+          <p:cNvSpPr/>
+          <p:nvPr/>
+        </p:nvSpPr>
+        <p:spPr>
+          <a:xfrm>
+            <a:off x="10393103" y="472017"/>
+            <a:ext cx="501600" cy="930400"/>
+          </a:xfrm>
+          <a:prstGeom prst="downArrow">
+            <a:avLst>
+              <a:gd name="adj1" fmla="val 50000"/>
+              <a:gd name="adj2" fmla="val 50000"/>
+            </a:avLst>
+          </a:prstGeom>
+          <a:solidFill>
+            <a:schemeClr val="lt2"/>
+          </a:solidFill>
+          <a:ln w="9525" cap="flat" cmpd="sng">
+            <a:solidFill>
+              <a:schemeClr val="dk2"/>
+            </a:solidFill>
+            <a:prstDash val="solid"/>
+            <a:round/>
+            <a:headEnd type="none" w="sm" len="sm"/>
+            <a:tailEnd type="none" w="sm" len="sm"/>
+          </a:ln>
+        </p:spPr>
+        <p:txBody>
+          <a:bodyPr spcFirstLastPara="1" wrap="square" lIns="121900" tIns="121900" rIns="121900" bIns="121900" anchor="ctr" anchorCtr="0">
+            <a:noAutofit/>
+          </a:bodyPr>
+          <a:lstStyle/>
+          <a:p>
+            <a:pPr algn="ctr"/>
+            <a:endParaRPr sz="2400"/>
+          </a:p>
+        </p:txBody>
+      </p:sp>
+      <p:pic>
+        <p:nvPicPr>
+          <p:cNvPr id="71" name="Google Shape;71;p15"/>
+          <p:cNvPicPr preferRelativeResize="0"/>
+          <p:nvPr/>
+        </p:nvPicPr>
+        <p:blipFill>
+          <a:blip r:embed="rId3">
+            <a:alphaModFix/>
+          </a:blip>
+          <a:stretch>
+            <a:fillRect/>
+          </a:stretch>
+        </p:blipFill>
+        <p:spPr>
+          <a:xfrm>
+            <a:off x="3035300" y="1492250"/>
+            <a:ext cx="9156700" cy="2489200"/>
+          </a:xfrm>
+          <a:prstGeom prst="rect">
+            <a:avLst/>
+          </a:prstGeom>
+          <a:noFill/>
+          <a:ln>
+            <a:noFill/>
+          </a:ln>
+        </p:spPr>
+      </p:pic>
+    </p:spTree>
+  </p:cSld>
+  <p:clrMapOvr>
+    <a:masterClrMapping/>
+  </p:clrMapOvr>
+</p:sld>
+</file>
+
+<file path=ppt/slides/slide30.xml><?xml version="1.0" encoding="utf-8"?>
 <p:sld xmlns:a="http://schemas.openxmlformats.org/drawingml/2006/main" xmlns:r="http://schemas.openxmlformats.org/officeDocument/2006/relationships" xmlns:p="http://schemas.openxmlformats.org/presentationml/2006/main">
   <p:cSld>
     <p:spTree>
@@ -19017,7 +19652,7 @@
 </p:sld>
 </file>
 
-<file path=ppt/slides/slide29.xml><?xml version="1.0" encoding="utf-8"?>
+<file path=ppt/slides/slide31.xml><?xml version="1.0" encoding="utf-8"?>
 <p:sld xmlns:a="http://schemas.openxmlformats.org/drawingml/2006/main" xmlns:r="http://schemas.openxmlformats.org/officeDocument/2006/relationships" xmlns:p="http://schemas.openxmlformats.org/presentationml/2006/main">
   <p:cSld>
     <p:spTree>
@@ -19062,8 +19697,8 @@
           </a:p>
         </p:txBody>
       </p:sp>
-      <mc:AlternateContent xmlns:mc="http://schemas.openxmlformats.org/markup-compatibility/2006">
-        <mc:Choice xmlns:a14="http://schemas.microsoft.com/office/drawing/2010/main" Requires="a14">
+      <mc:AlternateContent xmlns:mc="http://schemas.openxmlformats.org/markup-compatibility/2006" xmlns:a14="http://schemas.microsoft.com/office/drawing/2010/main">
+        <mc:Choice Requires="a14">
           <p:sp>
             <p:nvSpPr>
               <p:cNvPr id="3" name="Content Placeholder 2">
@@ -20159,7 +20794,7 @@
             </p:txBody>
           </p:sp>
         </mc:Choice>
-        <mc:Fallback>
+        <mc:Fallback xmlns="">
           <p:sp>
             <p:nvSpPr>
               <p:cNvPr id="3" name="Content Placeholder 2">
@@ -20502,214 +21137,7 @@
 </p:sld>
 </file>
 
-<file path=ppt/slides/slide3.xml><?xml version="1.0" encoding="utf-8"?>
-<p:sld xmlns:a="http://schemas.openxmlformats.org/drawingml/2006/main" xmlns:r="http://schemas.openxmlformats.org/officeDocument/2006/relationships" xmlns:p="http://schemas.openxmlformats.org/presentationml/2006/main">
-  <p:cSld>
-    <p:spTree>
-      <p:nvGrpSpPr>
-        <p:cNvPr id="1" name="Shape 67"/>
-        <p:cNvGrpSpPr/>
-        <p:nvPr/>
-      </p:nvGrpSpPr>
-      <p:grpSpPr>
-        <a:xfrm>
-          <a:off x="0" y="0"/>
-          <a:ext cx="0" cy="0"/>
-          <a:chOff x="0" y="0"/>
-          <a:chExt cx="0" cy="0"/>
-        </a:xfrm>
-      </p:grpSpPr>
-      <p:sp>
-        <p:nvSpPr>
-          <p:cNvPr id="68" name="Google Shape;68;p15"/>
-          <p:cNvSpPr txBox="1">
-            <a:spLocks noGrp="1"/>
-          </p:cNvSpPr>
-          <p:nvPr>
-            <p:ph type="title"/>
-          </p:nvPr>
-        </p:nvSpPr>
-        <p:spPr>
-          <a:xfrm>
-            <a:off x="415600" y="593367"/>
-            <a:ext cx="11360800" cy="763600"/>
-          </a:xfrm>
-          <a:prstGeom prst="rect">
-            <a:avLst/>
-          </a:prstGeom>
-        </p:spPr>
-        <p:txBody>
-          <a:bodyPr spcFirstLastPara="1" vert="horz" wrap="square" lIns="121900" tIns="121900" rIns="121900" bIns="121900" rtlCol="0" anchor="t" anchorCtr="0">
-            <a:normAutofit fontScale="90000"/>
-          </a:bodyPr>
-          <a:lstStyle/>
-          <a:p>
-            <a:r>
-              <a:rPr lang="en"/>
-              <a:t>Odds</a:t>
-            </a:r>
-            <a:endParaRPr/>
-          </a:p>
-        </p:txBody>
-      </p:sp>
-      <p:sp>
-        <p:nvSpPr>
-          <p:cNvPr id="69" name="Google Shape;69;p15"/>
-          <p:cNvSpPr txBox="1">
-            <a:spLocks noGrp="1"/>
-          </p:cNvSpPr>
-          <p:nvPr>
-            <p:ph type="body" idx="1"/>
-          </p:nvPr>
-        </p:nvSpPr>
-        <p:spPr>
-          <a:xfrm>
-            <a:off x="415600" y="1536633"/>
-            <a:ext cx="11360800" cy="4555200"/>
-          </a:xfrm>
-          <a:prstGeom prst="rect">
-            <a:avLst/>
-          </a:prstGeom>
-        </p:spPr>
-        <p:txBody>
-          <a:bodyPr spcFirstLastPara="1" vert="horz" wrap="square" lIns="121900" tIns="121900" rIns="121900" bIns="121900" rtlCol="0" anchor="t" anchorCtr="0">
-            <a:normAutofit/>
-          </a:bodyPr>
-          <a:lstStyle/>
-          <a:p>
-            <a:r>
-              <a:rPr lang="en"/>
-              <a:t>European/</a:t>
-            </a:r>
-            <a:endParaRPr/>
-          </a:p>
-          <a:p>
-            <a:pPr indent="0">
-              <a:spcBef>
-                <a:spcPts val="1600"/>
-              </a:spcBef>
-              <a:buNone/>
-            </a:pPr>
-            <a:r>
-              <a:rPr lang="en"/>
-              <a:t>Decimal</a:t>
-            </a:r>
-            <a:endParaRPr/>
-          </a:p>
-          <a:p>
-            <a:pPr indent="0">
-              <a:spcBef>
-                <a:spcPts val="1600"/>
-              </a:spcBef>
-              <a:buNone/>
-            </a:pPr>
-            <a:endParaRPr/>
-          </a:p>
-          <a:p>
-            <a:pPr indent="0">
-              <a:spcBef>
-                <a:spcPts val="1600"/>
-              </a:spcBef>
-              <a:buNone/>
-            </a:pPr>
-            <a:endParaRPr/>
-          </a:p>
-          <a:p>
-            <a:pPr indent="0">
-              <a:spcBef>
-                <a:spcPts val="1600"/>
-              </a:spcBef>
-              <a:spcAft>
-                <a:spcPts val="1600"/>
-              </a:spcAft>
-              <a:buNone/>
-            </a:pPr>
-            <a:r>
-              <a:rPr lang="en"/>
-              <a:t>Example from Eurobet</a:t>
-            </a:r>
-            <a:endParaRPr/>
-          </a:p>
-        </p:txBody>
-      </p:sp>
-      <p:sp>
-        <p:nvSpPr>
-          <p:cNvPr id="70" name="Google Shape;70;p15"/>
-          <p:cNvSpPr/>
-          <p:nvPr/>
-        </p:nvSpPr>
-        <p:spPr>
-          <a:xfrm>
-            <a:off x="10393103" y="472017"/>
-            <a:ext cx="501600" cy="930400"/>
-          </a:xfrm>
-          <a:prstGeom prst="downArrow">
-            <a:avLst>
-              <a:gd name="adj1" fmla="val 50000"/>
-              <a:gd name="adj2" fmla="val 50000"/>
-            </a:avLst>
-          </a:prstGeom>
-          <a:solidFill>
-            <a:schemeClr val="lt2"/>
-          </a:solidFill>
-          <a:ln w="9525" cap="flat" cmpd="sng">
-            <a:solidFill>
-              <a:schemeClr val="dk2"/>
-            </a:solidFill>
-            <a:prstDash val="solid"/>
-            <a:round/>
-            <a:headEnd type="none" w="sm" len="sm"/>
-            <a:tailEnd type="none" w="sm" len="sm"/>
-          </a:ln>
-        </p:spPr>
-        <p:txBody>
-          <a:bodyPr spcFirstLastPara="1" wrap="square" lIns="121900" tIns="121900" rIns="121900" bIns="121900" anchor="ctr" anchorCtr="0">
-            <a:noAutofit/>
-          </a:bodyPr>
-          <a:lstStyle/>
-          <a:p>
-            <a:pPr algn="ctr"/>
-            <a:endParaRPr sz="2400"/>
-          </a:p>
-        </p:txBody>
-      </p:sp>
-      <p:pic>
-        <p:nvPicPr>
-          <p:cNvPr id="71" name="Google Shape;71;p15"/>
-          <p:cNvPicPr preferRelativeResize="0"/>
-          <p:nvPr/>
-        </p:nvPicPr>
-        <p:blipFill>
-          <a:blip r:embed="rId3">
-            <a:alphaModFix/>
-          </a:blip>
-          <a:stretch>
-            <a:fillRect/>
-          </a:stretch>
-        </p:blipFill>
-        <p:spPr>
-          <a:xfrm>
-            <a:off x="3035300" y="1492250"/>
-            <a:ext cx="9156700" cy="2489200"/>
-          </a:xfrm>
-          <a:prstGeom prst="rect">
-            <a:avLst/>
-          </a:prstGeom>
-          <a:noFill/>
-          <a:ln>
-            <a:noFill/>
-          </a:ln>
-        </p:spPr>
-      </p:pic>
-    </p:spTree>
-  </p:cSld>
-  <p:clrMapOvr>
-    <a:masterClrMapping/>
-  </p:clrMapOvr>
-</p:sld>
-</file>
-
-<file path=ppt/slides/slide30.xml><?xml version="1.0" encoding="utf-8"?>
+<file path=ppt/slides/slide32.xml><?xml version="1.0" encoding="utf-8"?>
 <p:sld xmlns:a="http://schemas.openxmlformats.org/drawingml/2006/main" xmlns:r="http://schemas.openxmlformats.org/officeDocument/2006/relationships" xmlns:p="http://schemas.openxmlformats.org/presentationml/2006/main">
   <p:cSld>
     <p:spTree>
@@ -20754,8 +21182,8 @@
           </a:p>
         </p:txBody>
       </p:sp>
-      <mc:AlternateContent xmlns:mc="http://schemas.openxmlformats.org/markup-compatibility/2006">
-        <mc:Choice xmlns:a14="http://schemas.microsoft.com/office/drawing/2010/main" Requires="a14">
+      <mc:AlternateContent xmlns:mc="http://schemas.openxmlformats.org/markup-compatibility/2006" xmlns:a14="http://schemas.microsoft.com/office/drawing/2010/main">
+        <mc:Choice Requires="a14">
           <p:graphicFrame>
             <p:nvGraphicFramePr>
               <p:cNvPr id="4" name="Content Placeholder 3">
@@ -21217,7 +21645,7 @@
             </a:graphic>
           </p:graphicFrame>
         </mc:Choice>
-        <mc:Fallback>
+        <mc:Fallback xmlns="">
           <p:graphicFrame>
             <p:nvGraphicFramePr>
               <p:cNvPr id="4" name="Content Placeholder 3">
@@ -21978,8 +22406,8 @@
           </p:sp>
         </mc:Fallback>
       </mc:AlternateContent>
-      <mc:AlternateContent xmlns:mc="http://schemas.openxmlformats.org/markup-compatibility/2006">
-        <mc:Choice xmlns:a14="http://schemas.microsoft.com/office/drawing/2010/main" Requires="a14">
+      <mc:AlternateContent xmlns:mc="http://schemas.openxmlformats.org/markup-compatibility/2006" xmlns:a14="http://schemas.microsoft.com/office/drawing/2010/main">
+        <mc:Choice Requires="a14">
           <p:graphicFrame>
             <p:nvGraphicFramePr>
               <p:cNvPr id="8" name="Content Placeholder 3">
@@ -22440,7 +22868,7 @@
             </a:graphic>
           </p:graphicFrame>
         </mc:Choice>
-        <mc:Fallback>
+        <mc:Fallback xmlns="">
           <p:graphicFrame>
             <p:nvGraphicFramePr>
               <p:cNvPr id="8" name="Content Placeholder 3">
@@ -22877,8 +23305,8 @@
           </a:p>
         </p:txBody>
       </p:sp>
-      <mc:AlternateContent xmlns:mc="http://schemas.openxmlformats.org/markup-compatibility/2006">
-        <mc:Choice xmlns:a14="http://schemas.microsoft.com/office/drawing/2010/main" Requires="a14">
+      <mc:AlternateContent xmlns:mc="http://schemas.openxmlformats.org/markup-compatibility/2006" xmlns:a14="http://schemas.microsoft.com/office/drawing/2010/main">
+        <mc:Choice Requires="a14">
           <p:graphicFrame>
             <p:nvGraphicFramePr>
               <p:cNvPr id="4" name="Content Placeholder 3">
@@ -23197,7 +23625,7 @@
             </a:graphic>
           </p:graphicFrame>
         </mc:Choice>
-        <mc:Fallback>
+        <mc:Fallback xmlns="">
           <p:graphicFrame>
             <p:nvGraphicFramePr>
               <p:cNvPr id="4" name="Content Placeholder 3">
@@ -23491,8 +23919,8 @@
           </p:graphicFrame>
         </mc:Fallback>
       </mc:AlternateContent>
-      <mc:AlternateContent xmlns:mc="http://schemas.openxmlformats.org/markup-compatibility/2006">
-        <mc:Choice xmlns:a14="http://schemas.microsoft.com/office/drawing/2010/main" Requires="a14">
+      <mc:AlternateContent xmlns:mc="http://schemas.openxmlformats.org/markup-compatibility/2006" xmlns:a14="http://schemas.microsoft.com/office/drawing/2010/main">
+        <mc:Choice Requires="a14">
           <p:sp>
             <p:nvSpPr>
               <p:cNvPr id="5" name="Content Placeholder 2">
@@ -23811,7 +24239,7 @@
             </p:txBody>
           </p:sp>
         </mc:Choice>
-        <mc:Fallback>
+        <mc:Fallback xmlns="">
           <p:sp>
             <p:nvSpPr>
               <p:cNvPr id="5" name="Content Placeholder 2">
@@ -23856,8 +24284,8 @@
           </p:sp>
         </mc:Fallback>
       </mc:AlternateContent>
-      <mc:AlternateContent xmlns:mc="http://schemas.openxmlformats.org/markup-compatibility/2006">
-        <mc:Choice xmlns:a14="http://schemas.microsoft.com/office/drawing/2010/main" Requires="a14">
+      <mc:AlternateContent xmlns:mc="http://schemas.openxmlformats.org/markup-compatibility/2006" xmlns:a14="http://schemas.microsoft.com/office/drawing/2010/main">
+        <mc:Choice Requires="a14">
           <p:graphicFrame>
             <p:nvGraphicFramePr>
               <p:cNvPr id="6" name="Content Placeholder 3">
@@ -24176,7 +24604,7 @@
             </a:graphic>
           </p:graphicFrame>
         </mc:Choice>
-        <mc:Fallback>
+        <mc:Fallback xmlns="">
           <p:graphicFrame>
             <p:nvGraphicFramePr>
               <p:cNvPr id="6" name="Content Placeholder 3">
@@ -24528,8 +24956,8 @@
           </a:p>
         </p:txBody>
       </p:sp>
-      <mc:AlternateContent xmlns:mc="http://schemas.openxmlformats.org/markup-compatibility/2006">
-        <mc:Choice xmlns:a14="http://schemas.microsoft.com/office/drawing/2010/main" Requires="a14">
+      <mc:AlternateContent xmlns:mc="http://schemas.openxmlformats.org/markup-compatibility/2006" xmlns:a14="http://schemas.microsoft.com/office/drawing/2010/main">
+        <mc:Choice Requires="a14">
           <p:graphicFrame>
             <p:nvGraphicFramePr>
               <p:cNvPr id="4" name="Content Placeholder 3">
@@ -24848,7 +25276,7 @@
             </a:graphic>
           </p:graphicFrame>
         </mc:Choice>
-        <mc:Fallback>
+        <mc:Fallback xmlns="">
           <p:graphicFrame>
             <p:nvGraphicFramePr>
               <p:cNvPr id="4" name="Content Placeholder 3">
@@ -25142,8 +25570,8 @@
           </p:graphicFrame>
         </mc:Fallback>
       </mc:AlternateContent>
-      <mc:AlternateContent xmlns:mc="http://schemas.openxmlformats.org/markup-compatibility/2006">
-        <mc:Choice xmlns:a14="http://schemas.microsoft.com/office/drawing/2010/main" Requires="a14">
+      <mc:AlternateContent xmlns:mc="http://schemas.openxmlformats.org/markup-compatibility/2006" xmlns:a14="http://schemas.microsoft.com/office/drawing/2010/main">
+        <mc:Choice Requires="a14">
           <p:sp>
             <p:nvSpPr>
               <p:cNvPr id="5" name="Content Placeholder 2">
@@ -25458,7 +25886,7 @@
             </p:txBody>
           </p:sp>
         </mc:Choice>
-        <mc:Fallback>
+        <mc:Fallback xmlns="">
           <p:sp>
             <p:nvSpPr>
               <p:cNvPr id="5" name="Content Placeholder 2">
@@ -25566,8 +25994,8 @@
           </a:p>
         </p:txBody>
       </p:sp>
-      <mc:AlternateContent xmlns:mc="http://schemas.openxmlformats.org/markup-compatibility/2006">
-        <mc:Choice xmlns:a14="http://schemas.microsoft.com/office/drawing/2010/main" Requires="a14">
+      <mc:AlternateContent xmlns:mc="http://schemas.openxmlformats.org/markup-compatibility/2006" xmlns:a14="http://schemas.microsoft.com/office/drawing/2010/main">
+        <mc:Choice Requires="a14">
           <p:graphicFrame>
             <p:nvGraphicFramePr>
               <p:cNvPr id="4" name="Content Placeholder 3">
@@ -25886,7 +26314,7 @@
             </a:graphic>
           </p:graphicFrame>
         </mc:Choice>
-        <mc:Fallback>
+        <mc:Fallback xmlns="">
           <p:graphicFrame>
             <p:nvGraphicFramePr>
               <p:cNvPr id="4" name="Content Placeholder 3">
@@ -26180,8 +26608,8 @@
           </p:graphicFrame>
         </mc:Fallback>
       </mc:AlternateContent>
-      <mc:AlternateContent xmlns:mc="http://schemas.openxmlformats.org/markup-compatibility/2006">
-        <mc:Choice xmlns:a14="http://schemas.microsoft.com/office/drawing/2010/main" Requires="a14">
+      <mc:AlternateContent xmlns:mc="http://schemas.openxmlformats.org/markup-compatibility/2006" xmlns:a14="http://schemas.microsoft.com/office/drawing/2010/main">
+        <mc:Choice Requires="a14">
           <p:sp>
             <p:nvSpPr>
               <p:cNvPr id="5" name="Content Placeholder 2">
@@ -26499,7 +26927,7 @@
             </p:txBody>
           </p:sp>
         </mc:Choice>
-        <mc:Fallback>
+        <mc:Fallback xmlns="">
           <p:sp>
             <p:nvSpPr>
               <p:cNvPr id="5" name="Content Placeholder 2">
@@ -26544,8 +26972,8 @@
           </p:sp>
         </mc:Fallback>
       </mc:AlternateContent>
-      <mc:AlternateContent xmlns:mc="http://schemas.openxmlformats.org/markup-compatibility/2006">
-        <mc:Choice xmlns:a14="http://schemas.microsoft.com/office/drawing/2010/main" Requires="a14">
+      <mc:AlternateContent xmlns:mc="http://schemas.openxmlformats.org/markup-compatibility/2006" xmlns:a14="http://schemas.microsoft.com/office/drawing/2010/main">
+        <mc:Choice Requires="a14">
           <p:graphicFrame>
             <p:nvGraphicFramePr>
               <p:cNvPr id="2" name="Content Placeholder 3">
@@ -26870,7 +27298,7 @@
             </a:graphic>
           </p:graphicFrame>
         </mc:Choice>
-        <mc:Fallback>
+        <mc:Fallback xmlns="">
           <p:graphicFrame>
             <p:nvGraphicFramePr>
               <p:cNvPr id="2" name="Content Placeholder 3">
@@ -27233,8 +27661,8 @@
           </a:p>
         </p:txBody>
       </p:sp>
-      <mc:AlternateContent xmlns:mc="http://schemas.openxmlformats.org/markup-compatibility/2006">
-        <mc:Choice xmlns:a14="http://schemas.microsoft.com/office/drawing/2010/main" Requires="a14">
+      <mc:AlternateContent xmlns:mc="http://schemas.openxmlformats.org/markup-compatibility/2006" xmlns:a14="http://schemas.microsoft.com/office/drawing/2010/main">
+        <mc:Choice Requires="a14">
           <p:graphicFrame>
             <p:nvGraphicFramePr>
               <p:cNvPr id="4" name="Content Placeholder 3">
@@ -27559,7 +27987,7 @@
             </a:graphic>
           </p:graphicFrame>
         </mc:Choice>
-        <mc:Fallback>
+        <mc:Fallback xmlns="">
           <p:graphicFrame>
             <p:nvGraphicFramePr>
               <p:cNvPr id="4" name="Content Placeholder 3">
@@ -28103,8 +28531,8 @@
           </a:p>
         </p:txBody>
       </p:sp>
-      <mc:AlternateContent xmlns:mc="http://schemas.openxmlformats.org/markup-compatibility/2006">
-        <mc:Choice xmlns:a14="http://schemas.microsoft.com/office/drawing/2010/main" Requires="a14">
+      <mc:AlternateContent xmlns:mc="http://schemas.openxmlformats.org/markup-compatibility/2006" xmlns:a14="http://schemas.microsoft.com/office/drawing/2010/main">
+        <mc:Choice Requires="a14">
           <p:graphicFrame>
             <p:nvGraphicFramePr>
               <p:cNvPr id="2" name="Content Placeholder 3">
@@ -28435,7 +28863,7 @@
             </a:graphic>
           </p:graphicFrame>
         </mc:Choice>
-        <mc:Fallback>
+        <mc:Fallback xmlns="">
           <p:graphicFrame>
             <p:nvGraphicFramePr>
               <p:cNvPr id="2" name="Content Placeholder 3">
@@ -28804,8 +29232,8 @@
           </a:p>
         </p:txBody>
       </p:sp>
-      <mc:AlternateContent xmlns:mc="http://schemas.openxmlformats.org/markup-compatibility/2006">
-        <mc:Choice xmlns:a14="http://schemas.microsoft.com/office/drawing/2010/main" Requires="a14">
+      <mc:AlternateContent xmlns:mc="http://schemas.openxmlformats.org/markup-compatibility/2006" xmlns:a14="http://schemas.microsoft.com/office/drawing/2010/main">
+        <mc:Choice Requires="a14">
           <p:graphicFrame>
             <p:nvGraphicFramePr>
               <p:cNvPr id="4" name="Content Placeholder 3">
@@ -29130,7 +29558,7 @@
             </a:graphic>
           </p:graphicFrame>
         </mc:Choice>
-        <mc:Fallback>
+        <mc:Fallback xmlns="">
           <p:graphicFrame>
             <p:nvGraphicFramePr>
               <p:cNvPr id="4" name="Content Placeholder 3">
@@ -29674,8 +30102,8 @@
           </a:p>
         </p:txBody>
       </p:sp>
-      <mc:AlternateContent xmlns:mc="http://schemas.openxmlformats.org/markup-compatibility/2006">
-        <mc:Choice xmlns:a14="http://schemas.microsoft.com/office/drawing/2010/main" Requires="a14">
+      <mc:AlternateContent xmlns:mc="http://schemas.openxmlformats.org/markup-compatibility/2006" xmlns:a14="http://schemas.microsoft.com/office/drawing/2010/main">
+        <mc:Choice Requires="a14">
           <p:graphicFrame>
             <p:nvGraphicFramePr>
               <p:cNvPr id="2" name="Content Placeholder 3">
@@ -30006,7 +30434,7 @@
             </a:graphic>
           </p:graphicFrame>
         </mc:Choice>
-        <mc:Fallback>
+        <mc:Fallback xmlns="">
           <p:graphicFrame>
             <p:nvGraphicFramePr>
               <p:cNvPr id="2" name="Content Placeholder 3">
@@ -30375,8 +30803,8 @@
           </a:p>
         </p:txBody>
       </p:sp>
-      <mc:AlternateContent xmlns:mc="http://schemas.openxmlformats.org/markup-compatibility/2006">
-        <mc:Choice xmlns:a14="http://schemas.microsoft.com/office/drawing/2010/main" Requires="a14">
+      <mc:AlternateContent xmlns:mc="http://schemas.openxmlformats.org/markup-compatibility/2006" xmlns:a14="http://schemas.microsoft.com/office/drawing/2010/main">
+        <mc:Choice Requires="a14">
           <p:graphicFrame>
             <p:nvGraphicFramePr>
               <p:cNvPr id="4" name="Content Placeholder 3">
@@ -30695,7 +31123,7 @@
             </a:graphic>
           </p:graphicFrame>
         </mc:Choice>
-        <mc:Fallback>
+        <mc:Fallback xmlns="">
           <p:graphicFrame>
             <p:nvGraphicFramePr>
               <p:cNvPr id="4" name="Content Placeholder 3">
@@ -31233,8 +31661,8 @@
           </a:p>
         </p:txBody>
       </p:sp>
-      <mc:AlternateContent xmlns:mc="http://schemas.openxmlformats.org/markup-compatibility/2006">
-        <mc:Choice xmlns:a14="http://schemas.microsoft.com/office/drawing/2010/main" Requires="a14">
+      <mc:AlternateContent xmlns:mc="http://schemas.openxmlformats.org/markup-compatibility/2006" xmlns:a14="http://schemas.microsoft.com/office/drawing/2010/main">
+        <mc:Choice Requires="a14">
           <p:graphicFrame>
             <p:nvGraphicFramePr>
               <p:cNvPr id="2" name="Content Placeholder 3">
@@ -31565,7 +31993,7 @@
             </a:graphic>
           </p:graphicFrame>
         </mc:Choice>
-        <mc:Fallback>
+        <mc:Fallback xmlns="">
           <p:graphicFrame>
             <p:nvGraphicFramePr>
               <p:cNvPr id="2" name="Content Placeholder 3">

--- a/presentation/sports_betting_term4.pptx
+++ b/presentation/sports_betting_term4.pptx
@@ -2881,7 +2881,7 @@
           <a:p>
             <a:fld id="{049BF167-0F2A-491A-9224-D62CDB49146A}" type="datetimeFigureOut">
               <a:rPr lang="en-US" smtClean="0"/>
-              <a:t>5/13/2024</a:t>
+              <a:t>5/15/2024</a:t>
             </a:fld>
             <a:endParaRPr lang="en-US"/>
           </a:p>
@@ -5153,7 +5153,7 @@
           <a:p>
             <a:fld id="{AA58F0C6-9703-47D7-8233-838C756D61C9}" type="datetimeFigureOut">
               <a:rPr lang="en-US" smtClean="0"/>
-              <a:t>5/13/2024</a:t>
+              <a:t>5/15/2024</a:t>
             </a:fld>
             <a:endParaRPr lang="en-US"/>
           </a:p>
@@ -5351,7 +5351,7 @@
           <a:p>
             <a:fld id="{AA58F0C6-9703-47D7-8233-838C756D61C9}" type="datetimeFigureOut">
               <a:rPr lang="en-US" smtClean="0"/>
-              <a:t>5/13/2024</a:t>
+              <a:t>5/15/2024</a:t>
             </a:fld>
             <a:endParaRPr lang="en-US"/>
           </a:p>
@@ -5559,7 +5559,7 @@
           <a:p>
             <a:fld id="{AA58F0C6-9703-47D7-8233-838C756D61C9}" type="datetimeFigureOut">
               <a:rPr lang="en-US" smtClean="0"/>
-              <a:t>5/13/2024</a:t>
+              <a:t>5/15/2024</a:t>
             </a:fld>
             <a:endParaRPr lang="en-US"/>
           </a:p>
@@ -6346,7 +6346,7 @@
           <a:p>
             <a:fld id="{AA58F0C6-9703-47D7-8233-838C756D61C9}" type="datetimeFigureOut">
               <a:rPr lang="en-US" smtClean="0"/>
-              <a:t>5/13/2024</a:t>
+              <a:t>5/15/2024</a:t>
             </a:fld>
             <a:endParaRPr lang="en-US"/>
           </a:p>
@@ -6621,7 +6621,7 @@
           <a:p>
             <a:fld id="{AA58F0C6-9703-47D7-8233-838C756D61C9}" type="datetimeFigureOut">
               <a:rPr lang="en-US" smtClean="0"/>
-              <a:t>5/13/2024</a:t>
+              <a:t>5/15/2024</a:t>
             </a:fld>
             <a:endParaRPr lang="en-US"/>
           </a:p>
@@ -6886,7 +6886,7 @@
           <a:p>
             <a:fld id="{AA58F0C6-9703-47D7-8233-838C756D61C9}" type="datetimeFigureOut">
               <a:rPr lang="en-US" smtClean="0"/>
-              <a:t>5/13/2024</a:t>
+              <a:t>5/15/2024</a:t>
             </a:fld>
             <a:endParaRPr lang="en-US"/>
           </a:p>
@@ -7298,7 +7298,7 @@
           <a:p>
             <a:fld id="{AA58F0C6-9703-47D7-8233-838C756D61C9}" type="datetimeFigureOut">
               <a:rPr lang="en-US" smtClean="0"/>
-              <a:t>5/13/2024</a:t>
+              <a:t>5/15/2024</a:t>
             </a:fld>
             <a:endParaRPr lang="en-US"/>
           </a:p>
@@ -7439,7 +7439,7 @@
           <a:p>
             <a:fld id="{AA58F0C6-9703-47D7-8233-838C756D61C9}" type="datetimeFigureOut">
               <a:rPr lang="en-US" smtClean="0"/>
-              <a:t>5/13/2024</a:t>
+              <a:t>5/15/2024</a:t>
             </a:fld>
             <a:endParaRPr lang="en-US"/>
           </a:p>
@@ -7552,7 +7552,7 @@
           <a:p>
             <a:fld id="{AA58F0C6-9703-47D7-8233-838C756D61C9}" type="datetimeFigureOut">
               <a:rPr lang="en-US" smtClean="0"/>
-              <a:t>5/13/2024</a:t>
+              <a:t>5/15/2024</a:t>
             </a:fld>
             <a:endParaRPr lang="en-US"/>
           </a:p>
@@ -7863,7 +7863,7 @@
           <a:p>
             <a:fld id="{AA58F0C6-9703-47D7-8233-838C756D61C9}" type="datetimeFigureOut">
               <a:rPr lang="en-US" smtClean="0"/>
-              <a:t>5/13/2024</a:t>
+              <a:t>5/15/2024</a:t>
             </a:fld>
             <a:endParaRPr lang="en-US"/>
           </a:p>
@@ -8151,7 +8151,7 @@
           <a:p>
             <a:fld id="{AA58F0C6-9703-47D7-8233-838C756D61C9}" type="datetimeFigureOut">
               <a:rPr lang="en-US" smtClean="0"/>
-              <a:t>5/13/2024</a:t>
+              <a:t>5/15/2024</a:t>
             </a:fld>
             <a:endParaRPr lang="en-US"/>
           </a:p>
@@ -8392,7 +8392,7 @@
           <a:p>
             <a:fld id="{AA58F0C6-9703-47D7-8233-838C756D61C9}" type="datetimeFigureOut">
               <a:rPr lang="en-US" smtClean="0"/>
-              <a:t>5/13/2024</a:t>
+              <a:t>5/15/2024</a:t>
             </a:fld>
             <a:endParaRPr lang="en-US"/>
           </a:p>
@@ -17538,7 +17538,7 @@
           <p:nvPr>
             <p:extLst>
               <p:ext uri="{D42A27DB-BD31-4B8C-83A1-F6EECF244321}">
-                <p14:modId xmlns:p14="http://schemas.microsoft.com/office/powerpoint/2010/main" val="1111326868"/>
+                <p14:modId xmlns:p14="http://schemas.microsoft.com/office/powerpoint/2010/main" val="390640286"/>
               </p:ext>
             </p:extLst>
           </p:nvPr>
@@ -17740,7 +17740,7 @@
                     <a:p>
                       <a:r>
                         <a:rPr lang="en-US" dirty="0"/>
-                        <a:t>0.9541276</a:t>
+                        <a:t>1</a:t>
                       </a:r>
                     </a:p>
                   </a:txBody>
@@ -17770,7 +17770,7 @@
                       </a:pPr>
                       <a:r>
                         <a:rPr lang="en-US" dirty="0"/>
-                        <a:t>4.2 e-176</a:t>
+                        <a:t>1</a:t>
                       </a:r>
                     </a:p>
                   </a:txBody>
@@ -17800,7 +17800,7 @@
                       </a:pPr>
                       <a:r>
                         <a:rPr lang="en-US" dirty="0"/>
-                        <a:t>0.9541276</a:t>
+                        <a:t>1</a:t>
                       </a:r>
                     </a:p>
                   </a:txBody>
@@ -17830,7 +17830,7 @@
                       </a:pPr>
                       <a:r>
                         <a:rPr lang="en-US" dirty="0"/>
-                        <a:t>4.2 e-176</a:t>
+                        <a:t>1 (didn’t bet)</a:t>
                       </a:r>
                     </a:p>
                   </a:txBody>
@@ -17877,7 +17877,7 @@
                     <a:p>
                       <a:r>
                         <a:rPr lang="en-US" dirty="0"/>
-                        <a:t>0.9553148</a:t>
+                        <a:t>1.000617</a:t>
                       </a:r>
                     </a:p>
                   </a:txBody>
@@ -17907,7 +17907,7 @@
                       </a:pPr>
                       <a:r>
                         <a:rPr lang="en-US" dirty="0"/>
-                        <a:t>1.3 e-171</a:t>
+                        <a:t>186.6</a:t>
                       </a:r>
                     </a:p>
                   </a:txBody>
@@ -17937,7 +17937,7 @@
                       </a:pPr>
                       <a:r>
                         <a:rPr lang="en-US" dirty="0"/>
-                        <a:t>0.9534331</a:t>
+                        <a:t>0.9994983</a:t>
                       </a:r>
                     </a:p>
                   </a:txBody>
@@ -17967,7 +17967,7 @@
                       </a:pPr>
                       <a:r>
                         <a:rPr lang="en-US" dirty="0"/>
-                        <a:t>1.1 e-180</a:t>
+                        <a:t>0.002</a:t>
                       </a:r>
                     </a:p>
                   </a:txBody>
